--- a/开题答辩.pptx
+++ b/开题答辩.pptx
@@ -11526,10 +11526,10 @@
       </p:cxnSp>
       <p:pic>
         <p:nvPicPr>
-          <p:cNvPr id="4" name="图片 3">
+          <p:cNvPr id="2" name="图片 1">
             <a:extLst>
               <a:ext uri="{FF2B5EF4-FFF2-40B4-BE49-F238E27FC236}">
-                <a16:creationId xmlns:a16="http://schemas.microsoft.com/office/drawing/2014/main" id="{892343B1-56AF-4413-B2D0-EEA7199CA0EB}"/>
+                <a16:creationId xmlns:a16="http://schemas.microsoft.com/office/drawing/2014/main" id="{B3562DA2-C628-41F1-854E-2600C2EFA774}"/>
               </a:ext>
             </a:extLst>
           </p:cNvPr>
@@ -11546,8 +11546,8 @@
         </p:blipFill>
         <p:spPr>
           <a:xfrm>
-            <a:off x="1500366" y="1271011"/>
-            <a:ext cx="5704380" cy="4601696"/>
+            <a:off x="1356034" y="840386"/>
+            <a:ext cx="6555654" cy="5700263"/>
           </a:xfrm>
           <a:prstGeom prst="rect">
             <a:avLst/>
